--- a/figures/rocket_convolution.pptx
+++ b/figures/rocket_convolution.pptx
@@ -104,6 +104,11 @@
       </a:defRPr>
     </a:lvl9pPr>
   </p:defaultTextStyle>
+  <p:extLst>
+    <p:ext uri="{EFAFB233-063F-42B5-8137-9DF3F51BA10A}">
+      <p15:sldGuideLst xmlns:p15="http://schemas.microsoft.com/office/powerpoint/2012/main"/>
+    </p:ext>
+  </p:extLst>
 </p:presentation>
 </file>
 
@@ -256,7 +261,7 @@
           <a:p>
             <a:fld id="{BDC8D03D-2AD3-E446-A2F6-CAF9C7D73433}" type="datetimeFigureOut">
               <a:rPr lang="en-US" smtClean="0"/>
-              <a:t>6/16/25</a:t>
+              <a:t>6/24/25</a:t>
             </a:fld>
             <a:endParaRPr lang="en-US"/>
           </a:p>
@@ -456,7 +461,7 @@
           <a:p>
             <a:fld id="{BDC8D03D-2AD3-E446-A2F6-CAF9C7D73433}" type="datetimeFigureOut">
               <a:rPr lang="en-US" smtClean="0"/>
-              <a:t>6/16/25</a:t>
+              <a:t>6/24/25</a:t>
             </a:fld>
             <a:endParaRPr lang="en-US"/>
           </a:p>
@@ -666,7 +671,7 @@
           <a:p>
             <a:fld id="{BDC8D03D-2AD3-E446-A2F6-CAF9C7D73433}" type="datetimeFigureOut">
               <a:rPr lang="en-US" smtClean="0"/>
-              <a:t>6/16/25</a:t>
+              <a:t>6/24/25</a:t>
             </a:fld>
             <a:endParaRPr lang="en-US"/>
           </a:p>
@@ -866,7 +871,7 @@
           <a:p>
             <a:fld id="{BDC8D03D-2AD3-E446-A2F6-CAF9C7D73433}" type="datetimeFigureOut">
               <a:rPr lang="en-US" smtClean="0"/>
-              <a:t>6/16/25</a:t>
+              <a:t>6/24/25</a:t>
             </a:fld>
             <a:endParaRPr lang="en-US"/>
           </a:p>
@@ -1142,7 +1147,7 @@
           <a:p>
             <a:fld id="{BDC8D03D-2AD3-E446-A2F6-CAF9C7D73433}" type="datetimeFigureOut">
               <a:rPr lang="en-US" smtClean="0"/>
-              <a:t>6/16/25</a:t>
+              <a:t>6/24/25</a:t>
             </a:fld>
             <a:endParaRPr lang="en-US"/>
           </a:p>
@@ -1410,7 +1415,7 @@
           <a:p>
             <a:fld id="{BDC8D03D-2AD3-E446-A2F6-CAF9C7D73433}" type="datetimeFigureOut">
               <a:rPr lang="en-US" smtClean="0"/>
-              <a:t>6/16/25</a:t>
+              <a:t>6/24/25</a:t>
             </a:fld>
             <a:endParaRPr lang="en-US"/>
           </a:p>
@@ -1825,7 +1830,7 @@
           <a:p>
             <a:fld id="{BDC8D03D-2AD3-E446-A2F6-CAF9C7D73433}" type="datetimeFigureOut">
               <a:rPr lang="en-US" smtClean="0"/>
-              <a:t>6/16/25</a:t>
+              <a:t>6/24/25</a:t>
             </a:fld>
             <a:endParaRPr lang="en-US"/>
           </a:p>
@@ -1967,7 +1972,7 @@
           <a:p>
             <a:fld id="{BDC8D03D-2AD3-E446-A2F6-CAF9C7D73433}" type="datetimeFigureOut">
               <a:rPr lang="en-US" smtClean="0"/>
-              <a:t>6/16/25</a:t>
+              <a:t>6/24/25</a:t>
             </a:fld>
             <a:endParaRPr lang="en-US"/>
           </a:p>
@@ -2080,7 +2085,7 @@
           <a:p>
             <a:fld id="{BDC8D03D-2AD3-E446-A2F6-CAF9C7D73433}" type="datetimeFigureOut">
               <a:rPr lang="en-US" smtClean="0"/>
-              <a:t>6/16/25</a:t>
+              <a:t>6/24/25</a:t>
             </a:fld>
             <a:endParaRPr lang="en-US"/>
           </a:p>
@@ -2393,7 +2398,7 @@
           <a:p>
             <a:fld id="{BDC8D03D-2AD3-E446-A2F6-CAF9C7D73433}" type="datetimeFigureOut">
               <a:rPr lang="en-US" smtClean="0"/>
-              <a:t>6/16/25</a:t>
+              <a:t>6/24/25</a:t>
             </a:fld>
             <a:endParaRPr lang="en-US"/>
           </a:p>
@@ -2682,7 +2687,7 @@
           <a:p>
             <a:fld id="{BDC8D03D-2AD3-E446-A2F6-CAF9C7D73433}" type="datetimeFigureOut">
               <a:rPr lang="en-US" smtClean="0"/>
-              <a:t>6/16/25</a:t>
+              <a:t>6/24/25</a:t>
             </a:fld>
             <a:endParaRPr lang="en-US"/>
           </a:p>
@@ -2925,7 +2930,7 @@
           <a:p>
             <a:fld id="{BDC8D03D-2AD3-E446-A2F6-CAF9C7D73433}" type="datetimeFigureOut">
               <a:rPr lang="en-US" smtClean="0"/>
-              <a:t>6/16/25</a:t>
+              <a:t>6/24/25</a:t>
             </a:fld>
             <a:endParaRPr lang="en-US"/>
           </a:p>
@@ -8105,7 +8110,7 @@
         <p:spPr>
           <a:xfrm>
             <a:off x="9518392" y="1294412"/>
-            <a:ext cx="1619033" cy="369332"/>
+            <a:ext cx="1798569" cy="369332"/>
           </a:xfrm>
           <a:prstGeom prst="rect">
             <a:avLst/>
@@ -8123,7 +8128,14 @@
                 <a:latin typeface="Times New Roman" panose="02020603050405020304" pitchFamily="18" charset="0"/>
                 <a:cs typeface="Times New Roman" panose="02020603050405020304" pitchFamily="18" charset="0"/>
               </a:rPr>
-              <a:t>PPV-Pooling: 1</a:t>
+              <a:t>PPV-Pooling</a:t>
+            </a:r>
+            <a:r>
+              <a:rPr lang="en-US">
+                <a:latin typeface="Times New Roman" panose="02020603050405020304" pitchFamily="18" charset="0"/>
+                <a:cs typeface="Times New Roman" panose="02020603050405020304" pitchFamily="18" charset="0"/>
+              </a:rPr>
+              <a:t>: 7/7</a:t>
             </a:r>
             <a:endParaRPr lang="en-US" b="0" i="1" dirty="0">
               <a:effectLst/>

--- a/figures/rocket_convolution.pptx
+++ b/figures/rocket_convolution.pptx
@@ -261,7 +261,7 @@
           <a:p>
             <a:fld id="{BDC8D03D-2AD3-E446-A2F6-CAF9C7D73433}" type="datetimeFigureOut">
               <a:rPr lang="en-US" smtClean="0"/>
-              <a:t>6/24/25</a:t>
+              <a:t>7/2/25</a:t>
             </a:fld>
             <a:endParaRPr lang="en-US"/>
           </a:p>
@@ -461,7 +461,7 @@
           <a:p>
             <a:fld id="{BDC8D03D-2AD3-E446-A2F6-CAF9C7D73433}" type="datetimeFigureOut">
               <a:rPr lang="en-US" smtClean="0"/>
-              <a:t>6/24/25</a:t>
+              <a:t>7/2/25</a:t>
             </a:fld>
             <a:endParaRPr lang="en-US"/>
           </a:p>
@@ -671,7 +671,7 @@
           <a:p>
             <a:fld id="{BDC8D03D-2AD3-E446-A2F6-CAF9C7D73433}" type="datetimeFigureOut">
               <a:rPr lang="en-US" smtClean="0"/>
-              <a:t>6/24/25</a:t>
+              <a:t>7/2/25</a:t>
             </a:fld>
             <a:endParaRPr lang="en-US"/>
           </a:p>
@@ -871,7 +871,7 @@
           <a:p>
             <a:fld id="{BDC8D03D-2AD3-E446-A2F6-CAF9C7D73433}" type="datetimeFigureOut">
               <a:rPr lang="en-US" smtClean="0"/>
-              <a:t>6/24/25</a:t>
+              <a:t>7/2/25</a:t>
             </a:fld>
             <a:endParaRPr lang="en-US"/>
           </a:p>
@@ -1147,7 +1147,7 @@
           <a:p>
             <a:fld id="{BDC8D03D-2AD3-E446-A2F6-CAF9C7D73433}" type="datetimeFigureOut">
               <a:rPr lang="en-US" smtClean="0"/>
-              <a:t>6/24/25</a:t>
+              <a:t>7/2/25</a:t>
             </a:fld>
             <a:endParaRPr lang="en-US"/>
           </a:p>
@@ -1415,7 +1415,7 @@
           <a:p>
             <a:fld id="{BDC8D03D-2AD3-E446-A2F6-CAF9C7D73433}" type="datetimeFigureOut">
               <a:rPr lang="en-US" smtClean="0"/>
-              <a:t>6/24/25</a:t>
+              <a:t>7/2/25</a:t>
             </a:fld>
             <a:endParaRPr lang="en-US"/>
           </a:p>
@@ -1830,7 +1830,7 @@
           <a:p>
             <a:fld id="{BDC8D03D-2AD3-E446-A2F6-CAF9C7D73433}" type="datetimeFigureOut">
               <a:rPr lang="en-US" smtClean="0"/>
-              <a:t>6/24/25</a:t>
+              <a:t>7/2/25</a:t>
             </a:fld>
             <a:endParaRPr lang="en-US"/>
           </a:p>
@@ -1972,7 +1972,7 @@
           <a:p>
             <a:fld id="{BDC8D03D-2AD3-E446-A2F6-CAF9C7D73433}" type="datetimeFigureOut">
               <a:rPr lang="en-US" smtClean="0"/>
-              <a:t>6/24/25</a:t>
+              <a:t>7/2/25</a:t>
             </a:fld>
             <a:endParaRPr lang="en-US"/>
           </a:p>
@@ -2085,7 +2085,7 @@
           <a:p>
             <a:fld id="{BDC8D03D-2AD3-E446-A2F6-CAF9C7D73433}" type="datetimeFigureOut">
               <a:rPr lang="en-US" smtClean="0"/>
-              <a:t>6/24/25</a:t>
+              <a:t>7/2/25</a:t>
             </a:fld>
             <a:endParaRPr lang="en-US"/>
           </a:p>
@@ -2398,7 +2398,7 @@
           <a:p>
             <a:fld id="{BDC8D03D-2AD3-E446-A2F6-CAF9C7D73433}" type="datetimeFigureOut">
               <a:rPr lang="en-US" smtClean="0"/>
-              <a:t>6/24/25</a:t>
+              <a:t>7/2/25</a:t>
             </a:fld>
             <a:endParaRPr lang="en-US"/>
           </a:p>
@@ -2687,7 +2687,7 @@
           <a:p>
             <a:fld id="{BDC8D03D-2AD3-E446-A2F6-CAF9C7D73433}" type="datetimeFigureOut">
               <a:rPr lang="en-US" smtClean="0"/>
-              <a:t>6/24/25</a:t>
+              <a:t>7/2/25</a:t>
             </a:fld>
             <a:endParaRPr lang="en-US"/>
           </a:p>
@@ -2930,7 +2930,7 @@
           <a:p>
             <a:fld id="{BDC8D03D-2AD3-E446-A2F6-CAF9C7D73433}" type="datetimeFigureOut">
               <a:rPr lang="en-US" smtClean="0"/>
-              <a:t>6/24/25</a:t>
+              <a:t>7/2/25</a:t>
             </a:fld>
             <a:endParaRPr lang="en-US"/>
           </a:p>
@@ -4488,7 +4488,7 @@
         <p:spPr>
           <a:xfrm>
             <a:off x="1437115" y="3941076"/>
-            <a:ext cx="1034257" cy="369332"/>
+            <a:ext cx="1149674" cy="369332"/>
           </a:xfrm>
           <a:prstGeom prst="rect">
             <a:avLst/>
@@ -4516,11 +4516,14 @@
               </a:rPr>
               <a:t>ω</a:t>
             </a:r>
-            <a:endParaRPr lang="en-US" b="0" i="1" dirty="0">
-              <a:effectLst/>
-              <a:latin typeface="Times New Roman" panose="02020603050405020304" pitchFamily="18" charset="0"/>
-              <a:cs typeface="Times New Roman" panose="02020603050405020304" pitchFamily="18" charset="0"/>
-            </a:endParaRPr>
+            <a:r>
+              <a:rPr lang="en-US" b="0" i="1" baseline="-25000" dirty="0">
+                <a:effectLst/>
+                <a:latin typeface="Times New Roman" panose="02020603050405020304" pitchFamily="18" charset="0"/>
+                <a:cs typeface="Times New Roman" panose="02020603050405020304" pitchFamily="18" charset="0"/>
+              </a:rPr>
+              <a:t>1</a:t>
+            </a:r>
           </a:p>
         </p:txBody>
       </p:sp>
@@ -5336,7 +5339,7 @@
         <p:spPr>
           <a:xfrm>
             <a:off x="3727800" y="4530122"/>
-            <a:ext cx="1099981" cy="369332"/>
+            <a:ext cx="1215397" cy="369332"/>
           </a:xfrm>
           <a:prstGeom prst="rect">
             <a:avLst/>
@@ -5371,7 +5374,15 @@
               </a:rPr>
               <a:t>ω</a:t>
             </a:r>
-            <a:endParaRPr lang="en-US" dirty="0">
+            <a:r>
+              <a:rPr lang="en-US" b="0" i="1" baseline="-25000" dirty="0">
+                <a:effectLst/>
+                <a:latin typeface="Times New Roman" panose="02020603050405020304" pitchFamily="18" charset="0"/>
+                <a:cs typeface="Times New Roman" panose="02020603050405020304" pitchFamily="18" charset="0"/>
+              </a:rPr>
+              <a:t>1</a:t>
+            </a:r>
+            <a:endParaRPr lang="en-US" baseline="-25000" dirty="0">
               <a:latin typeface="Times New Roman" panose="02020603050405020304" pitchFamily="18" charset="0"/>
               <a:cs typeface="Times New Roman" panose="02020603050405020304" pitchFamily="18" charset="0"/>
             </a:endParaRPr>
@@ -5910,7 +5921,7 @@
         <p:spPr>
           <a:xfrm>
             <a:off x="4317080" y="1727828"/>
-            <a:ext cx="1088760" cy="369332"/>
+            <a:ext cx="1204176" cy="369332"/>
           </a:xfrm>
           <a:prstGeom prst="rect">
             <a:avLst/>
@@ -5945,7 +5956,15 @@
               </a:rPr>
               <a:t>ω</a:t>
             </a:r>
-            <a:endParaRPr lang="en-US" dirty="0">
+            <a:r>
+              <a:rPr lang="en-US" b="0" i="1" baseline="-25000" dirty="0">
+                <a:effectLst/>
+                <a:latin typeface="Times New Roman" panose="02020603050405020304" pitchFamily="18" charset="0"/>
+                <a:cs typeface="Times New Roman" panose="02020603050405020304" pitchFamily="18" charset="0"/>
+              </a:rPr>
+              <a:t>2</a:t>
+            </a:r>
+            <a:endParaRPr lang="en-US" baseline="-25000" dirty="0">
               <a:latin typeface="Times New Roman" panose="02020603050405020304" pitchFamily="18" charset="0"/>
               <a:cs typeface="Times New Roman" panose="02020603050405020304" pitchFamily="18" charset="0"/>
             </a:endParaRPr>
@@ -7213,7 +7232,7 @@
         <p:spPr>
           <a:xfrm>
             <a:off x="7889702" y="1727828"/>
-            <a:ext cx="1195584" cy="369332"/>
+            <a:ext cx="1311000" cy="369332"/>
           </a:xfrm>
           <a:prstGeom prst="rect">
             <a:avLst/>
@@ -7248,7 +7267,15 @@
               </a:rPr>
               <a:t>ω</a:t>
             </a:r>
-            <a:endParaRPr lang="en-US" dirty="0">
+            <a:r>
+              <a:rPr lang="en-US" b="0" i="1" baseline="-25000" dirty="0">
+                <a:effectLst/>
+                <a:latin typeface="Times New Roman" panose="02020603050405020304" pitchFamily="18" charset="0"/>
+                <a:cs typeface="Times New Roman" panose="02020603050405020304" pitchFamily="18" charset="0"/>
+              </a:rPr>
+              <a:t>2</a:t>
+            </a:r>
+            <a:endParaRPr lang="en-US" baseline="-25000" dirty="0">
               <a:latin typeface="Times New Roman" panose="02020603050405020304" pitchFamily="18" charset="0"/>
               <a:cs typeface="Times New Roman" panose="02020603050405020304" pitchFamily="18" charset="0"/>
             </a:endParaRPr>
@@ -7675,7 +7702,7 @@
         <p:spPr>
           <a:xfrm>
             <a:off x="8464202" y="4537457"/>
-            <a:ext cx="1206805" cy="369332"/>
+            <a:ext cx="1322221" cy="369332"/>
           </a:xfrm>
           <a:prstGeom prst="rect">
             <a:avLst/>
@@ -7710,7 +7737,15 @@
               </a:rPr>
               <a:t>ω</a:t>
             </a:r>
-            <a:endParaRPr lang="en-US" dirty="0">
+            <a:r>
+              <a:rPr lang="en-US" b="0" i="1" baseline="-25000" dirty="0">
+                <a:effectLst/>
+                <a:latin typeface="Times New Roman" panose="02020603050405020304" pitchFamily="18" charset="0"/>
+                <a:cs typeface="Times New Roman" panose="02020603050405020304" pitchFamily="18" charset="0"/>
+              </a:rPr>
+              <a:t>1</a:t>
+            </a:r>
+            <a:endParaRPr lang="en-US" baseline="-25000" dirty="0">
               <a:latin typeface="Times New Roman" panose="02020603050405020304" pitchFamily="18" charset="0"/>
               <a:cs typeface="Times New Roman" panose="02020603050405020304" pitchFamily="18" charset="0"/>
             </a:endParaRPr>
@@ -7732,7 +7767,7 @@
         <p:spPr>
           <a:xfrm>
             <a:off x="1437115" y="2052804"/>
-            <a:ext cx="1034257" cy="369332"/>
+            <a:ext cx="1111202" cy="369332"/>
           </a:xfrm>
           <a:prstGeom prst="rect">
             <a:avLst/>
@@ -7760,7 +7795,14 @@
               </a:rPr>
               <a:t>ω</a:t>
             </a:r>
-            <a:endParaRPr lang="en-US" b="0" i="1" dirty="0">
+            <a:r>
+              <a:rPr lang="en-US" i="1" baseline="-25000" dirty="0">
+                <a:latin typeface="Times New Roman" panose="02020603050405020304" pitchFamily="18" charset="0"/>
+                <a:cs typeface="Times New Roman" panose="02020603050405020304" pitchFamily="18" charset="0"/>
+              </a:rPr>
+              <a:t>2</a:t>
+            </a:r>
+            <a:endParaRPr lang="en-US" b="0" i="1" baseline="-25000" dirty="0">
               <a:effectLst/>
               <a:latin typeface="Times New Roman" panose="02020603050405020304" pitchFamily="18" charset="0"/>
               <a:cs typeface="Times New Roman" panose="02020603050405020304" pitchFamily="18" charset="0"/>

--- a/figures/rocket_convolution.pptx
+++ b/figures/rocket_convolution.pptx
@@ -261,7 +261,7 @@
           <a:p>
             <a:fld id="{BDC8D03D-2AD3-E446-A2F6-CAF9C7D73433}" type="datetimeFigureOut">
               <a:rPr lang="en-US" smtClean="0"/>
-              <a:t>7/2/25</a:t>
+              <a:t>7/13/25</a:t>
             </a:fld>
             <a:endParaRPr lang="en-US"/>
           </a:p>
@@ -461,7 +461,7 @@
           <a:p>
             <a:fld id="{BDC8D03D-2AD3-E446-A2F6-CAF9C7D73433}" type="datetimeFigureOut">
               <a:rPr lang="en-US" smtClean="0"/>
-              <a:t>7/2/25</a:t>
+              <a:t>7/13/25</a:t>
             </a:fld>
             <a:endParaRPr lang="en-US"/>
           </a:p>
@@ -671,7 +671,7 @@
           <a:p>
             <a:fld id="{BDC8D03D-2AD3-E446-A2F6-CAF9C7D73433}" type="datetimeFigureOut">
               <a:rPr lang="en-US" smtClean="0"/>
-              <a:t>7/2/25</a:t>
+              <a:t>7/13/25</a:t>
             </a:fld>
             <a:endParaRPr lang="en-US"/>
           </a:p>
@@ -871,7 +871,7 @@
           <a:p>
             <a:fld id="{BDC8D03D-2AD3-E446-A2F6-CAF9C7D73433}" type="datetimeFigureOut">
               <a:rPr lang="en-US" smtClean="0"/>
-              <a:t>7/2/25</a:t>
+              <a:t>7/13/25</a:t>
             </a:fld>
             <a:endParaRPr lang="en-US"/>
           </a:p>
@@ -1147,7 +1147,7 @@
           <a:p>
             <a:fld id="{BDC8D03D-2AD3-E446-A2F6-CAF9C7D73433}" type="datetimeFigureOut">
               <a:rPr lang="en-US" smtClean="0"/>
-              <a:t>7/2/25</a:t>
+              <a:t>7/13/25</a:t>
             </a:fld>
             <a:endParaRPr lang="en-US"/>
           </a:p>
@@ -1415,7 +1415,7 @@
           <a:p>
             <a:fld id="{BDC8D03D-2AD3-E446-A2F6-CAF9C7D73433}" type="datetimeFigureOut">
               <a:rPr lang="en-US" smtClean="0"/>
-              <a:t>7/2/25</a:t>
+              <a:t>7/13/25</a:t>
             </a:fld>
             <a:endParaRPr lang="en-US"/>
           </a:p>
@@ -1830,7 +1830,7 @@
           <a:p>
             <a:fld id="{BDC8D03D-2AD3-E446-A2F6-CAF9C7D73433}" type="datetimeFigureOut">
               <a:rPr lang="en-US" smtClean="0"/>
-              <a:t>7/2/25</a:t>
+              <a:t>7/13/25</a:t>
             </a:fld>
             <a:endParaRPr lang="en-US"/>
           </a:p>
@@ -1972,7 +1972,7 @@
           <a:p>
             <a:fld id="{BDC8D03D-2AD3-E446-A2F6-CAF9C7D73433}" type="datetimeFigureOut">
               <a:rPr lang="en-US" smtClean="0"/>
-              <a:t>7/2/25</a:t>
+              <a:t>7/13/25</a:t>
             </a:fld>
             <a:endParaRPr lang="en-US"/>
           </a:p>
@@ -2085,7 +2085,7 @@
           <a:p>
             <a:fld id="{BDC8D03D-2AD3-E446-A2F6-CAF9C7D73433}" type="datetimeFigureOut">
               <a:rPr lang="en-US" smtClean="0"/>
-              <a:t>7/2/25</a:t>
+              <a:t>7/13/25</a:t>
             </a:fld>
             <a:endParaRPr lang="en-US"/>
           </a:p>
@@ -2398,7 +2398,7 @@
           <a:p>
             <a:fld id="{BDC8D03D-2AD3-E446-A2F6-CAF9C7D73433}" type="datetimeFigureOut">
               <a:rPr lang="en-US" smtClean="0"/>
-              <a:t>7/2/25</a:t>
+              <a:t>7/13/25</a:t>
             </a:fld>
             <a:endParaRPr lang="en-US"/>
           </a:p>
@@ -2687,7 +2687,7 @@
           <a:p>
             <a:fld id="{BDC8D03D-2AD3-E446-A2F6-CAF9C7D73433}" type="datetimeFigureOut">
               <a:rPr lang="en-US" smtClean="0"/>
-              <a:t>7/2/25</a:t>
+              <a:t>7/13/25</a:t>
             </a:fld>
             <a:endParaRPr lang="en-US"/>
           </a:p>
@@ -2930,7 +2930,7 @@
           <a:p>
             <a:fld id="{BDC8D03D-2AD3-E446-A2F6-CAF9C7D73433}" type="datetimeFigureOut">
               <a:rPr lang="en-US" smtClean="0"/>
-              <a:t>7/2/25</a:t>
+              <a:t>7/13/25</a:t>
             </a:fld>
             <a:endParaRPr lang="en-US"/>
           </a:p>
@@ -5339,7 +5339,7 @@
         <p:spPr>
           <a:xfrm>
             <a:off x="3727800" y="4530122"/>
-            <a:ext cx="1215397" cy="369332"/>
+            <a:ext cx="1231427" cy="369332"/>
           </a:xfrm>
           <a:prstGeom prst="rect">
             <a:avLst/>
@@ -5357,14 +5357,14 @@
                 <a:latin typeface="Times New Roman" panose="02020603050405020304" pitchFamily="18" charset="0"/>
                 <a:cs typeface="Times New Roman" panose="02020603050405020304" pitchFamily="18" charset="0"/>
               </a:rPr>
-              <a:t>T(1:3) </a:t>
+              <a:t>T(1:3) ∗</a:t>
             </a:r>
             <a:r>
               <a:rPr lang="en-HK" b="0" i="0" dirty="0">
                 <a:effectLst/>
                 <a:latin typeface="Source Sans Pro" panose="020F0502020204030204" pitchFamily="34" charset="0"/>
               </a:rPr>
-              <a:t>· </a:t>
+              <a:t> </a:t>
             </a:r>
             <a:r>
               <a:rPr lang="el-GR" b="0" i="1" dirty="0">
@@ -5921,7 +5921,7 @@
         <p:spPr>
           <a:xfrm>
             <a:off x="4317080" y="1727828"/>
-            <a:ext cx="1204176" cy="369332"/>
+            <a:ext cx="1220206" cy="369332"/>
           </a:xfrm>
           <a:prstGeom prst="rect">
             <a:avLst/>
@@ -5946,7 +5946,7 @@
                 <a:effectLst/>
                 <a:latin typeface="Source Sans Pro" panose="020F0502020204030204" pitchFamily="34" charset="0"/>
               </a:rPr>
-              <a:t> · </a:t>
+              <a:t> ∗ </a:t>
             </a:r>
             <a:r>
               <a:rPr lang="el-GR" b="0" i="1" dirty="0">
@@ -7232,7 +7232,7 @@
         <p:spPr>
           <a:xfrm>
             <a:off x="7889702" y="1727828"/>
-            <a:ext cx="1311000" cy="369332"/>
+            <a:ext cx="1327030" cy="369332"/>
           </a:xfrm>
           <a:prstGeom prst="rect">
             <a:avLst/>
@@ -7257,7 +7257,7 @@
                 <a:effectLst/>
                 <a:latin typeface="Source Sans Pro" panose="020F0502020204030204" pitchFamily="34" charset="0"/>
               </a:rPr>
-              <a:t> · </a:t>
+              <a:t> ∗ </a:t>
             </a:r>
             <a:r>
               <a:rPr lang="el-GR" b="0" i="1" dirty="0">
@@ -7702,7 +7702,7 @@
         <p:spPr>
           <a:xfrm>
             <a:off x="8464202" y="4537457"/>
-            <a:ext cx="1322221" cy="369332"/>
+            <a:ext cx="1338251" cy="369332"/>
           </a:xfrm>
           <a:prstGeom prst="rect">
             <a:avLst/>
@@ -7720,14 +7720,14 @@
                 <a:latin typeface="Times New Roman" panose="02020603050405020304" pitchFamily="18" charset="0"/>
                 <a:cs typeface="Times New Roman" panose="02020603050405020304" pitchFamily="18" charset="0"/>
               </a:rPr>
-              <a:t>T(9:11) </a:t>
+              <a:t>T(9:11) ∗</a:t>
             </a:r>
             <a:r>
               <a:rPr lang="en-HK" b="0" i="0" dirty="0">
                 <a:effectLst/>
                 <a:latin typeface="Source Sans Pro" panose="020F0502020204030204" pitchFamily="34" charset="0"/>
               </a:rPr>
-              <a:t>· </a:t>
+              <a:t> </a:t>
             </a:r>
             <a:r>
               <a:rPr lang="el-GR" b="0" i="1" dirty="0">
@@ -7890,8 +7890,8 @@
         </p:nvSpPr>
         <p:spPr>
           <a:xfrm>
-            <a:off x="1099538" y="1118828"/>
-            <a:ext cx="1640193" cy="369332"/>
+            <a:off x="899513" y="1118828"/>
+            <a:ext cx="1967205" cy="369332"/>
           </a:xfrm>
           <a:prstGeom prst="rect">
             <a:avLst/>
@@ -7909,7 +7909,21 @@
                 <a:latin typeface="Times New Roman" panose="02020603050405020304" pitchFamily="18" charset="0"/>
                 <a:cs typeface="Times New Roman" panose="02020603050405020304" pitchFamily="18" charset="0"/>
               </a:rPr>
-              <a:t>Activation Map</a:t>
+              <a:t>Activation Map </a:t>
+            </a:r>
+            <a:r>
+              <a:rPr lang="en-US" i="1" dirty="0">
+                <a:latin typeface="Times New Roman" panose="02020603050405020304" pitchFamily="18" charset="0"/>
+                <a:cs typeface="Times New Roman" panose="02020603050405020304" pitchFamily="18" charset="0"/>
+              </a:rPr>
+              <a:t>M</a:t>
+            </a:r>
+            <a:r>
+              <a:rPr lang="en-US" i="1" baseline="-25000" dirty="0">
+                <a:latin typeface="Times New Roman" panose="02020603050405020304" pitchFamily="18" charset="0"/>
+                <a:cs typeface="Times New Roman" panose="02020603050405020304" pitchFamily="18" charset="0"/>
+              </a:rPr>
+              <a:t>2</a:t>
             </a:r>
             <a:endParaRPr lang="en-US" b="0" i="1" dirty="0">
               <a:effectLst/>
@@ -7987,115 +8001,6 @@
       </p:sp>
       <p:sp>
         <p:nvSpPr>
-          <p:cNvPr id="81" name="TextBox 80">
-            <a:extLst>
-              <a:ext uri="{FF2B5EF4-FFF2-40B4-BE49-F238E27FC236}">
-                <a16:creationId xmlns:a16="http://schemas.microsoft.com/office/drawing/2014/main" id="{CB1B825E-6C6F-4BD8-431A-6D9235E3B849}"/>
-              </a:ext>
-            </a:extLst>
-          </p:cNvPr>
-          <p:cNvSpPr txBox="1"/>
-          <p:nvPr/>
-        </p:nvSpPr>
-        <p:spPr>
-          <a:xfrm>
-            <a:off x="1103737" y="4863510"/>
-            <a:ext cx="1640193" cy="369332"/>
-          </a:xfrm>
-          <a:prstGeom prst="rect">
-            <a:avLst/>
-          </a:prstGeom>
-          <a:noFill/>
-        </p:spPr>
-        <p:txBody>
-          <a:bodyPr wrap="none" rtlCol="0">
-            <a:spAutoFit/>
-          </a:bodyPr>
-          <a:lstStyle/>
-          <a:p>
-            <a:r>
-              <a:rPr lang="en-US" dirty="0">
-                <a:latin typeface="Times New Roman" panose="02020603050405020304" pitchFamily="18" charset="0"/>
-                <a:cs typeface="Times New Roman" panose="02020603050405020304" pitchFamily="18" charset="0"/>
-              </a:rPr>
-              <a:t>Activation Map</a:t>
-            </a:r>
-            <a:endParaRPr lang="en-US" b="0" i="1" dirty="0">
-              <a:effectLst/>
-              <a:latin typeface="Times New Roman" panose="02020603050405020304" pitchFamily="18" charset="0"/>
-              <a:cs typeface="Times New Roman" panose="02020603050405020304" pitchFamily="18" charset="0"/>
-            </a:endParaRPr>
-          </a:p>
-        </p:txBody>
-      </p:sp>
-      <p:sp>
-        <p:nvSpPr>
-          <p:cNvPr id="82" name="TextBox 81">
-            <a:extLst>
-              <a:ext uri="{FF2B5EF4-FFF2-40B4-BE49-F238E27FC236}">
-                <a16:creationId xmlns:a16="http://schemas.microsoft.com/office/drawing/2014/main" id="{4189B8D6-4983-19CA-2211-D04290A39A36}"/>
-              </a:ext>
-            </a:extLst>
-          </p:cNvPr>
-          <p:cNvSpPr txBox="1"/>
-          <p:nvPr/>
-        </p:nvSpPr>
-        <p:spPr>
-          <a:xfrm>
-            <a:off x="1202723" y="5113102"/>
-            <a:ext cx="1475084" cy="369332"/>
-          </a:xfrm>
-          <a:prstGeom prst="rect">
-            <a:avLst/>
-          </a:prstGeom>
-          <a:noFill/>
-        </p:spPr>
-        <p:txBody>
-          <a:bodyPr wrap="none" rtlCol="0">
-            <a:spAutoFit/>
-          </a:bodyPr>
-          <a:lstStyle/>
-          <a:p>
-            <a:r>
-              <a:rPr lang="en-US" dirty="0">
-                <a:latin typeface="Times New Roman" panose="02020603050405020304" pitchFamily="18" charset="0"/>
-                <a:cs typeface="Times New Roman" panose="02020603050405020304" pitchFamily="18" charset="0"/>
-              </a:rPr>
-              <a:t>Dilation </a:t>
-            </a:r>
-            <a:r>
-              <a:rPr lang="en-US" b="0" i="1" dirty="0">
-                <a:effectLst/>
-                <a:latin typeface="Times New Roman" panose="02020603050405020304" pitchFamily="18" charset="0"/>
-                <a:cs typeface="Times New Roman" panose="02020603050405020304" pitchFamily="18" charset="0"/>
-              </a:rPr>
-              <a:t>d </a:t>
-            </a:r>
-            <a:r>
-              <a:rPr lang="en-US" b="0" dirty="0">
-                <a:effectLst/>
-                <a:latin typeface="Times New Roman" panose="02020603050405020304" pitchFamily="18" charset="0"/>
-                <a:cs typeface="Times New Roman" panose="02020603050405020304" pitchFamily="18" charset="0"/>
-              </a:rPr>
-              <a:t>=</a:t>
-            </a:r>
-            <a:r>
-              <a:rPr lang="en-US" dirty="0">
-                <a:latin typeface="Times New Roman" panose="02020603050405020304" pitchFamily="18" charset="0"/>
-                <a:cs typeface="Times New Roman" panose="02020603050405020304" pitchFamily="18" charset="0"/>
-              </a:rPr>
-              <a:t> 1</a:t>
-            </a:r>
-            <a:endParaRPr lang="en-US" b="0" dirty="0">
-              <a:effectLst/>
-              <a:latin typeface="Times New Roman" panose="02020603050405020304" pitchFamily="18" charset="0"/>
-              <a:cs typeface="Times New Roman" panose="02020603050405020304" pitchFamily="18" charset="0"/>
-            </a:endParaRPr>
-          </a:p>
-        </p:txBody>
-      </p:sp>
-      <p:sp>
-        <p:nvSpPr>
           <p:cNvPr id="83" name="TextBox 82">
             <a:extLst>
               <a:ext uri="{FF2B5EF4-FFF2-40B4-BE49-F238E27FC236}">
@@ -8266,6 +8171,129 @@
               <a:t>PPV-Pooling: 5/9</a:t>
             </a:r>
             <a:endParaRPr lang="en-US" b="0" i="1" dirty="0">
+              <a:effectLst/>
+              <a:latin typeface="Times New Roman" panose="02020603050405020304" pitchFamily="18" charset="0"/>
+              <a:cs typeface="Times New Roman" panose="02020603050405020304" pitchFamily="18" charset="0"/>
+            </a:endParaRPr>
+          </a:p>
+        </p:txBody>
+      </p:sp>
+      <p:sp>
+        <p:nvSpPr>
+          <p:cNvPr id="3" name="TextBox 2">
+            <a:extLst>
+              <a:ext uri="{FF2B5EF4-FFF2-40B4-BE49-F238E27FC236}">
+                <a16:creationId xmlns:a16="http://schemas.microsoft.com/office/drawing/2014/main" id="{32719391-DB69-7E41-F05B-8B8D4534E4C3}"/>
+              </a:ext>
+            </a:extLst>
+          </p:cNvPr>
+          <p:cNvSpPr txBox="1"/>
+          <p:nvPr/>
+        </p:nvSpPr>
+        <p:spPr>
+          <a:xfrm>
+            <a:off x="899513" y="4899454"/>
+            <a:ext cx="1967205" cy="369332"/>
+          </a:xfrm>
+          <a:prstGeom prst="rect">
+            <a:avLst/>
+          </a:prstGeom>
+          <a:noFill/>
+        </p:spPr>
+        <p:txBody>
+          <a:bodyPr wrap="none" rtlCol="0">
+            <a:spAutoFit/>
+          </a:bodyPr>
+          <a:lstStyle/>
+          <a:p>
+            <a:r>
+              <a:rPr lang="en-US" dirty="0">
+                <a:latin typeface="Times New Roman" panose="02020603050405020304" pitchFamily="18" charset="0"/>
+                <a:cs typeface="Times New Roman" panose="02020603050405020304" pitchFamily="18" charset="0"/>
+              </a:rPr>
+              <a:t>Activation Map </a:t>
+            </a:r>
+            <a:r>
+              <a:rPr lang="en-US" i="1" dirty="0">
+                <a:latin typeface="Times New Roman" panose="02020603050405020304" pitchFamily="18" charset="0"/>
+                <a:cs typeface="Times New Roman" panose="02020603050405020304" pitchFamily="18" charset="0"/>
+              </a:rPr>
+              <a:t>M</a:t>
+            </a:r>
+            <a:r>
+              <a:rPr lang="en-US" i="1" baseline="-25000" dirty="0">
+                <a:latin typeface="Times New Roman" panose="02020603050405020304" pitchFamily="18" charset="0"/>
+                <a:cs typeface="Times New Roman" panose="02020603050405020304" pitchFamily="18" charset="0"/>
+              </a:rPr>
+              <a:t>1</a:t>
+            </a:r>
+            <a:endParaRPr lang="en-US" b="0" i="1" dirty="0">
+              <a:effectLst/>
+              <a:latin typeface="Times New Roman" panose="02020603050405020304" pitchFamily="18" charset="0"/>
+              <a:cs typeface="Times New Roman" panose="02020603050405020304" pitchFamily="18" charset="0"/>
+            </a:endParaRPr>
+          </a:p>
+        </p:txBody>
+      </p:sp>
+      <p:sp>
+        <p:nvSpPr>
+          <p:cNvPr id="4" name="TextBox 3">
+            <a:extLst>
+              <a:ext uri="{FF2B5EF4-FFF2-40B4-BE49-F238E27FC236}">
+                <a16:creationId xmlns:a16="http://schemas.microsoft.com/office/drawing/2014/main" id="{686BEEF3-C583-A7E2-866A-BC0CA27C5C94}"/>
+              </a:ext>
+            </a:extLst>
+          </p:cNvPr>
+          <p:cNvSpPr txBox="1"/>
+          <p:nvPr/>
+        </p:nvSpPr>
+        <p:spPr>
+          <a:xfrm>
+            <a:off x="1198524" y="5149046"/>
+            <a:ext cx="1475084" cy="369332"/>
+          </a:xfrm>
+          <a:prstGeom prst="rect">
+            <a:avLst/>
+          </a:prstGeom>
+          <a:noFill/>
+        </p:spPr>
+        <p:txBody>
+          <a:bodyPr wrap="none" rtlCol="0">
+            <a:spAutoFit/>
+          </a:bodyPr>
+          <a:lstStyle/>
+          <a:p>
+            <a:r>
+              <a:rPr lang="en-US" dirty="0">
+                <a:latin typeface="Times New Roman" panose="02020603050405020304" pitchFamily="18" charset="0"/>
+                <a:cs typeface="Times New Roman" panose="02020603050405020304" pitchFamily="18" charset="0"/>
+              </a:rPr>
+              <a:t>Dilation </a:t>
+            </a:r>
+            <a:r>
+              <a:rPr lang="en-US" b="0" i="1" dirty="0">
+                <a:effectLst/>
+                <a:latin typeface="Times New Roman" panose="02020603050405020304" pitchFamily="18" charset="0"/>
+                <a:cs typeface="Times New Roman" panose="02020603050405020304" pitchFamily="18" charset="0"/>
+              </a:rPr>
+              <a:t>d </a:t>
+            </a:r>
+            <a:r>
+              <a:rPr lang="en-US" b="0" dirty="0">
+                <a:effectLst/>
+                <a:latin typeface="Times New Roman" panose="02020603050405020304" pitchFamily="18" charset="0"/>
+                <a:cs typeface="Times New Roman" panose="02020603050405020304" pitchFamily="18" charset="0"/>
+              </a:rPr>
+              <a:t>=</a:t>
+            </a:r>
+            <a:r>
+              <a:rPr lang="en-US" dirty="0">
+                <a:latin typeface="Times New Roman" panose="02020603050405020304" pitchFamily="18" charset="0"/>
+                <a:cs typeface="Times New Roman" panose="02020603050405020304" pitchFamily="18" charset="0"/>
+              </a:rPr>
+              <a:t> 2</a:t>
+            </a:r>
+            <a:endParaRPr lang="en-US" b="0" dirty="0">
               <a:effectLst/>
               <a:latin typeface="Times New Roman" panose="02020603050405020304" pitchFamily="18" charset="0"/>
               <a:cs typeface="Times New Roman" panose="02020603050405020304" pitchFamily="18" charset="0"/>

--- a/figures/rocket_convolution.pptx
+++ b/figures/rocket_convolution.pptx
@@ -261,7 +261,7 @@
           <a:p>
             <a:fld id="{BDC8D03D-2AD3-E446-A2F6-CAF9C7D73433}" type="datetimeFigureOut">
               <a:rPr lang="en-US" smtClean="0"/>
-              <a:t>7/13/25</a:t>
+              <a:t>7/15/25</a:t>
             </a:fld>
             <a:endParaRPr lang="en-US"/>
           </a:p>
@@ -461,7 +461,7 @@
           <a:p>
             <a:fld id="{BDC8D03D-2AD3-E446-A2F6-CAF9C7D73433}" type="datetimeFigureOut">
               <a:rPr lang="en-US" smtClean="0"/>
-              <a:t>7/13/25</a:t>
+              <a:t>7/15/25</a:t>
             </a:fld>
             <a:endParaRPr lang="en-US"/>
           </a:p>
@@ -671,7 +671,7 @@
           <a:p>
             <a:fld id="{BDC8D03D-2AD3-E446-A2F6-CAF9C7D73433}" type="datetimeFigureOut">
               <a:rPr lang="en-US" smtClean="0"/>
-              <a:t>7/13/25</a:t>
+              <a:t>7/15/25</a:t>
             </a:fld>
             <a:endParaRPr lang="en-US"/>
           </a:p>
@@ -871,7 +871,7 @@
           <a:p>
             <a:fld id="{BDC8D03D-2AD3-E446-A2F6-CAF9C7D73433}" type="datetimeFigureOut">
               <a:rPr lang="en-US" smtClean="0"/>
-              <a:t>7/13/25</a:t>
+              <a:t>7/15/25</a:t>
             </a:fld>
             <a:endParaRPr lang="en-US"/>
           </a:p>
@@ -1147,7 +1147,7 @@
           <a:p>
             <a:fld id="{BDC8D03D-2AD3-E446-A2F6-CAF9C7D73433}" type="datetimeFigureOut">
               <a:rPr lang="en-US" smtClean="0"/>
-              <a:t>7/13/25</a:t>
+              <a:t>7/15/25</a:t>
             </a:fld>
             <a:endParaRPr lang="en-US"/>
           </a:p>
@@ -1415,7 +1415,7 @@
           <a:p>
             <a:fld id="{BDC8D03D-2AD3-E446-A2F6-CAF9C7D73433}" type="datetimeFigureOut">
               <a:rPr lang="en-US" smtClean="0"/>
-              <a:t>7/13/25</a:t>
+              <a:t>7/15/25</a:t>
             </a:fld>
             <a:endParaRPr lang="en-US"/>
           </a:p>
@@ -1830,7 +1830,7 @@
           <a:p>
             <a:fld id="{BDC8D03D-2AD3-E446-A2F6-CAF9C7D73433}" type="datetimeFigureOut">
               <a:rPr lang="en-US" smtClean="0"/>
-              <a:t>7/13/25</a:t>
+              <a:t>7/15/25</a:t>
             </a:fld>
             <a:endParaRPr lang="en-US"/>
           </a:p>
@@ -1972,7 +1972,7 @@
           <a:p>
             <a:fld id="{BDC8D03D-2AD3-E446-A2F6-CAF9C7D73433}" type="datetimeFigureOut">
               <a:rPr lang="en-US" smtClean="0"/>
-              <a:t>7/13/25</a:t>
+              <a:t>7/15/25</a:t>
             </a:fld>
             <a:endParaRPr lang="en-US"/>
           </a:p>
@@ -2085,7 +2085,7 @@
           <a:p>
             <a:fld id="{BDC8D03D-2AD3-E446-A2F6-CAF9C7D73433}" type="datetimeFigureOut">
               <a:rPr lang="en-US" smtClean="0"/>
-              <a:t>7/13/25</a:t>
+              <a:t>7/15/25</a:t>
             </a:fld>
             <a:endParaRPr lang="en-US"/>
           </a:p>
@@ -2398,7 +2398,7 @@
           <a:p>
             <a:fld id="{BDC8D03D-2AD3-E446-A2F6-CAF9C7D73433}" type="datetimeFigureOut">
               <a:rPr lang="en-US" smtClean="0"/>
-              <a:t>7/13/25</a:t>
+              <a:t>7/15/25</a:t>
             </a:fld>
             <a:endParaRPr lang="en-US"/>
           </a:p>
@@ -2687,7 +2687,7 @@
           <a:p>
             <a:fld id="{BDC8D03D-2AD3-E446-A2F6-CAF9C7D73433}" type="datetimeFigureOut">
               <a:rPr lang="en-US" smtClean="0"/>
-              <a:t>7/13/25</a:t>
+              <a:t>7/15/25</a:t>
             </a:fld>
             <a:endParaRPr lang="en-US"/>
           </a:p>
@@ -2930,7 +2930,7 @@
           <a:p>
             <a:fld id="{BDC8D03D-2AD3-E446-A2F6-CAF9C7D73433}" type="datetimeFigureOut">
               <a:rPr lang="en-US" smtClean="0"/>
-              <a:t>7/13/25</a:t>
+              <a:t>7/15/25</a:t>
             </a:fld>
             <a:endParaRPr lang="en-US"/>
           </a:p>
@@ -4517,7 +4517,7 @@
               <a:t>ω</a:t>
             </a:r>
             <a:r>
-              <a:rPr lang="en-US" b="0" i="1" baseline="-25000" dirty="0">
+              <a:rPr lang="en-US" b="0" i="1" baseline="30000" dirty="0">
                 <a:effectLst/>
                 <a:latin typeface="Times New Roman" panose="02020603050405020304" pitchFamily="18" charset="0"/>
                 <a:cs typeface="Times New Roman" panose="02020603050405020304" pitchFamily="18" charset="0"/>
@@ -5375,14 +5375,14 @@
               <a:t>ω</a:t>
             </a:r>
             <a:r>
-              <a:rPr lang="en-US" b="0" i="1" baseline="-25000" dirty="0">
+              <a:rPr lang="en-US" b="0" i="1" baseline="30000" dirty="0">
                 <a:effectLst/>
                 <a:latin typeface="Times New Roman" panose="02020603050405020304" pitchFamily="18" charset="0"/>
                 <a:cs typeface="Times New Roman" panose="02020603050405020304" pitchFamily="18" charset="0"/>
               </a:rPr>
               <a:t>1</a:t>
             </a:r>
-            <a:endParaRPr lang="en-US" baseline="-25000" dirty="0">
+            <a:endParaRPr lang="en-US" baseline="30000" dirty="0">
               <a:latin typeface="Times New Roman" panose="02020603050405020304" pitchFamily="18" charset="0"/>
               <a:cs typeface="Times New Roman" panose="02020603050405020304" pitchFamily="18" charset="0"/>
             </a:endParaRPr>
@@ -5957,14 +5957,14 @@
               <a:t>ω</a:t>
             </a:r>
             <a:r>
-              <a:rPr lang="en-US" b="0" i="1" baseline="-25000" dirty="0">
+              <a:rPr lang="en-US" b="0" i="1" baseline="30000" dirty="0">
                 <a:effectLst/>
                 <a:latin typeface="Times New Roman" panose="02020603050405020304" pitchFamily="18" charset="0"/>
                 <a:cs typeface="Times New Roman" panose="02020603050405020304" pitchFamily="18" charset="0"/>
               </a:rPr>
               <a:t>2</a:t>
             </a:r>
-            <a:endParaRPr lang="en-US" baseline="-25000" dirty="0">
+            <a:endParaRPr lang="en-US" baseline="30000" dirty="0">
               <a:latin typeface="Times New Roman" panose="02020603050405020304" pitchFamily="18" charset="0"/>
               <a:cs typeface="Times New Roman" panose="02020603050405020304" pitchFamily="18" charset="0"/>
             </a:endParaRPr>
@@ -7268,14 +7268,14 @@
               <a:t>ω</a:t>
             </a:r>
             <a:r>
-              <a:rPr lang="en-US" b="0" i="1" baseline="-25000" dirty="0">
+              <a:rPr lang="en-US" b="0" i="1" baseline="30000" dirty="0">
                 <a:effectLst/>
                 <a:latin typeface="Times New Roman" panose="02020603050405020304" pitchFamily="18" charset="0"/>
                 <a:cs typeface="Times New Roman" panose="02020603050405020304" pitchFamily="18" charset="0"/>
               </a:rPr>
               <a:t>2</a:t>
             </a:r>
-            <a:endParaRPr lang="en-US" baseline="-25000" dirty="0">
+            <a:endParaRPr lang="en-US" baseline="30000" dirty="0">
               <a:latin typeface="Times New Roman" panose="02020603050405020304" pitchFamily="18" charset="0"/>
               <a:cs typeface="Times New Roman" panose="02020603050405020304" pitchFamily="18" charset="0"/>
             </a:endParaRPr>
@@ -7738,14 +7738,14 @@
               <a:t>ω</a:t>
             </a:r>
             <a:r>
-              <a:rPr lang="en-US" b="0" i="1" baseline="-25000" dirty="0">
+              <a:rPr lang="en-US" b="0" i="1" baseline="30000" dirty="0">
                 <a:effectLst/>
                 <a:latin typeface="Times New Roman" panose="02020603050405020304" pitchFamily="18" charset="0"/>
                 <a:cs typeface="Times New Roman" panose="02020603050405020304" pitchFamily="18" charset="0"/>
               </a:rPr>
               <a:t>1</a:t>
             </a:r>
-            <a:endParaRPr lang="en-US" baseline="-25000" dirty="0">
+            <a:endParaRPr lang="en-US" baseline="30000" dirty="0">
               <a:latin typeface="Times New Roman" panose="02020603050405020304" pitchFamily="18" charset="0"/>
               <a:cs typeface="Times New Roman" panose="02020603050405020304" pitchFamily="18" charset="0"/>
             </a:endParaRPr>
@@ -7796,13 +7796,13 @@
               <a:t>ω</a:t>
             </a:r>
             <a:r>
-              <a:rPr lang="en-US" i="1" baseline="-25000" dirty="0">
+              <a:rPr lang="en-US" i="1" baseline="30000" dirty="0">
                 <a:latin typeface="Times New Roman" panose="02020603050405020304" pitchFamily="18" charset="0"/>
                 <a:cs typeface="Times New Roman" panose="02020603050405020304" pitchFamily="18" charset="0"/>
               </a:rPr>
               <a:t>2</a:t>
             </a:r>
-            <a:endParaRPr lang="en-US" b="0" i="1" baseline="-25000" dirty="0">
+            <a:endParaRPr lang="en-US" b="0" i="1" baseline="30000" dirty="0">
               <a:effectLst/>
               <a:latin typeface="Times New Roman" panose="02020603050405020304" pitchFamily="18" charset="0"/>
               <a:cs typeface="Times New Roman" panose="02020603050405020304" pitchFamily="18" charset="0"/>

--- a/figures/rocket_convolution.pptx
+++ b/figures/rocket_convolution.pptx
@@ -261,7 +261,7 @@
           <a:p>
             <a:fld id="{BDC8D03D-2AD3-E446-A2F6-CAF9C7D73433}" type="datetimeFigureOut">
               <a:rPr lang="en-US" smtClean="0"/>
-              <a:t>7/15/25</a:t>
+              <a:t>7/17/25</a:t>
             </a:fld>
             <a:endParaRPr lang="en-US"/>
           </a:p>
@@ -461,7 +461,7 @@
           <a:p>
             <a:fld id="{BDC8D03D-2AD3-E446-A2F6-CAF9C7D73433}" type="datetimeFigureOut">
               <a:rPr lang="en-US" smtClean="0"/>
-              <a:t>7/15/25</a:t>
+              <a:t>7/17/25</a:t>
             </a:fld>
             <a:endParaRPr lang="en-US"/>
           </a:p>
@@ -671,7 +671,7 @@
           <a:p>
             <a:fld id="{BDC8D03D-2AD3-E446-A2F6-CAF9C7D73433}" type="datetimeFigureOut">
               <a:rPr lang="en-US" smtClean="0"/>
-              <a:t>7/15/25</a:t>
+              <a:t>7/17/25</a:t>
             </a:fld>
             <a:endParaRPr lang="en-US"/>
           </a:p>
@@ -871,7 +871,7 @@
           <a:p>
             <a:fld id="{BDC8D03D-2AD3-E446-A2F6-CAF9C7D73433}" type="datetimeFigureOut">
               <a:rPr lang="en-US" smtClean="0"/>
-              <a:t>7/15/25</a:t>
+              <a:t>7/17/25</a:t>
             </a:fld>
             <a:endParaRPr lang="en-US"/>
           </a:p>
@@ -1147,7 +1147,7 @@
           <a:p>
             <a:fld id="{BDC8D03D-2AD3-E446-A2F6-CAF9C7D73433}" type="datetimeFigureOut">
               <a:rPr lang="en-US" smtClean="0"/>
-              <a:t>7/15/25</a:t>
+              <a:t>7/17/25</a:t>
             </a:fld>
             <a:endParaRPr lang="en-US"/>
           </a:p>
@@ -1415,7 +1415,7 @@
           <a:p>
             <a:fld id="{BDC8D03D-2AD3-E446-A2F6-CAF9C7D73433}" type="datetimeFigureOut">
               <a:rPr lang="en-US" smtClean="0"/>
-              <a:t>7/15/25</a:t>
+              <a:t>7/17/25</a:t>
             </a:fld>
             <a:endParaRPr lang="en-US"/>
           </a:p>
@@ -1830,7 +1830,7 @@
           <a:p>
             <a:fld id="{BDC8D03D-2AD3-E446-A2F6-CAF9C7D73433}" type="datetimeFigureOut">
               <a:rPr lang="en-US" smtClean="0"/>
-              <a:t>7/15/25</a:t>
+              <a:t>7/17/25</a:t>
             </a:fld>
             <a:endParaRPr lang="en-US"/>
           </a:p>
@@ -1972,7 +1972,7 @@
           <a:p>
             <a:fld id="{BDC8D03D-2AD3-E446-A2F6-CAF9C7D73433}" type="datetimeFigureOut">
               <a:rPr lang="en-US" smtClean="0"/>
-              <a:t>7/15/25</a:t>
+              <a:t>7/17/25</a:t>
             </a:fld>
             <a:endParaRPr lang="en-US"/>
           </a:p>
@@ -2085,7 +2085,7 @@
           <a:p>
             <a:fld id="{BDC8D03D-2AD3-E446-A2F6-CAF9C7D73433}" type="datetimeFigureOut">
               <a:rPr lang="en-US" smtClean="0"/>
-              <a:t>7/15/25</a:t>
+              <a:t>7/17/25</a:t>
             </a:fld>
             <a:endParaRPr lang="en-US"/>
           </a:p>
@@ -2398,7 +2398,7 @@
           <a:p>
             <a:fld id="{BDC8D03D-2AD3-E446-A2F6-CAF9C7D73433}" type="datetimeFigureOut">
               <a:rPr lang="en-US" smtClean="0"/>
-              <a:t>7/15/25</a:t>
+              <a:t>7/17/25</a:t>
             </a:fld>
             <a:endParaRPr lang="en-US"/>
           </a:p>
@@ -2687,7 +2687,7 @@
           <a:p>
             <a:fld id="{BDC8D03D-2AD3-E446-A2F6-CAF9C7D73433}" type="datetimeFigureOut">
               <a:rPr lang="en-US" smtClean="0"/>
-              <a:t>7/15/25</a:t>
+              <a:t>7/17/25</a:t>
             </a:fld>
             <a:endParaRPr lang="en-US"/>
           </a:p>
@@ -2930,7 +2930,7 @@
           <a:p>
             <a:fld id="{BDC8D03D-2AD3-E446-A2F6-CAF9C7D73433}" type="datetimeFigureOut">
               <a:rPr lang="en-US" smtClean="0"/>
-              <a:t>7/15/25</a:t>
+              <a:t>7/17/25</a:t>
             </a:fld>
             <a:endParaRPr lang="en-US"/>
           </a:p>
@@ -7919,13 +7919,13 @@
               <a:t>M</a:t>
             </a:r>
             <a:r>
-              <a:rPr lang="en-US" i="1" baseline="-25000" dirty="0">
+              <a:rPr lang="en-US" i="1" baseline="30000" dirty="0">
                 <a:latin typeface="Times New Roman" panose="02020603050405020304" pitchFamily="18" charset="0"/>
                 <a:cs typeface="Times New Roman" panose="02020603050405020304" pitchFamily="18" charset="0"/>
               </a:rPr>
               <a:t>2</a:t>
             </a:r>
-            <a:endParaRPr lang="en-US" b="0" i="1" dirty="0">
+            <a:endParaRPr lang="en-US" b="0" i="1" baseline="30000" dirty="0">
               <a:effectLst/>
               <a:latin typeface="Times New Roman" panose="02020603050405020304" pitchFamily="18" charset="0"/>
               <a:cs typeface="Times New Roman" panose="02020603050405020304" pitchFamily="18" charset="0"/>
@@ -8221,13 +8221,13 @@
               <a:t>M</a:t>
             </a:r>
             <a:r>
-              <a:rPr lang="en-US" i="1" baseline="-25000" dirty="0">
+              <a:rPr lang="en-US" i="1" baseline="30000" dirty="0">
                 <a:latin typeface="Times New Roman" panose="02020603050405020304" pitchFamily="18" charset="0"/>
                 <a:cs typeface="Times New Roman" panose="02020603050405020304" pitchFamily="18" charset="0"/>
               </a:rPr>
               <a:t>1</a:t>
             </a:r>
-            <a:endParaRPr lang="en-US" b="0" i="1" dirty="0">
+            <a:endParaRPr lang="en-US" b="0" i="1" baseline="30000" dirty="0">
               <a:effectLst/>
               <a:latin typeface="Times New Roman" panose="02020603050405020304" pitchFamily="18" charset="0"/>
               <a:cs typeface="Times New Roman" panose="02020603050405020304" pitchFamily="18" charset="0"/>
